--- a/발표자료.pptx
+++ b/발표자료.pptx
@@ -304,7 +304,7 @@
           <a:p>
             <a:fld id="{F8166F1F-CE9B-4651-A6AA-CD717754106B}" type="datetimeFigureOut">
               <a:rPr lang="en-US" smtClean="0"/>
-              <a:t>4/5/2022</a:t>
+              <a:t>4/8/2022</a:t>
             </a:fld>
             <a:endParaRPr lang="en-US"/>
           </a:p>
@@ -811,7 +811,7 @@
           <a:p>
             <a:fld id="{A76116CE-C4A3-4A05-B2D7-7C2E9A889C0F}" type="datetimeFigureOut">
               <a:rPr lang="en-US" smtClean="0"/>
-              <a:t>4/5/2022</a:t>
+              <a:t>4/8/2022</a:t>
             </a:fld>
             <a:endParaRPr lang="en-US"/>
           </a:p>
@@ -1052,7 +1052,7 @@
           <a:p>
             <a:fld id="{A76116CE-C4A3-4A05-B2D7-7C2E9A889C0F}" type="datetimeFigureOut">
               <a:rPr lang="en-US" smtClean="0"/>
-              <a:t>4/5/2022</a:t>
+              <a:t>4/8/2022</a:t>
             </a:fld>
             <a:endParaRPr lang="en-US"/>
           </a:p>
@@ -3077,32 +3077,8 @@
         </p:blipFill>
         <p:spPr>
           <a:xfrm>
-            <a:off x="1167159" y="3516369"/>
-            <a:ext cx="10592524" cy="2815221"/>
-          </a:xfrm>
-          <a:prstGeom prst="rect">
-            <a:avLst/>
-          </a:prstGeom>
-        </p:spPr>
-      </p:pic>
-      <p:pic>
-        <p:nvPicPr>
-          <p:cNvPr id="3" name="Object 2"/>
-          <p:cNvPicPr>
-            <a:picLocks noChangeAspect="1"/>
-          </p:cNvPicPr>
-          <p:nvPr/>
-        </p:nvPicPr>
-        <p:blipFill>
-          <a:blip r:embed="rId3" cstate="print"/>
-          <a:stretch>
-            <a:fillRect/>
-          </a:stretch>
-        </p:blipFill>
-        <p:spPr>
-          <a:xfrm>
-            <a:off x="1307799" y="5732035"/>
-            <a:ext cx="3054972" cy="1186148"/>
+            <a:off x="1147284" y="2450220"/>
+            <a:ext cx="10686206" cy="3972723"/>
           </a:xfrm>
           <a:prstGeom prst="rect">
             <a:avLst/>
@@ -3125,14 +3101,14 @@
         </p:grpSpPr>
         <p:pic>
           <p:nvPicPr>
-            <p:cNvPr id="5" name="Object 4"/>
+            <p:cNvPr id="4" name="Object 3"/>
             <p:cNvPicPr>
               <a:picLocks noChangeAspect="1"/>
             </p:cNvPicPr>
             <p:nvPr/>
           </p:nvPicPr>
           <p:blipFill>
-            <a:blip r:embed="rId4" cstate="print"/>
+            <a:blip r:embed="rId3" cstate="print"/>
             <a:stretch>
               <a:fillRect/>
             </a:stretch>
@@ -3150,22 +3126,22 @@
       </p:grpSp>
       <p:pic>
         <p:nvPicPr>
-          <p:cNvPr id="7" name="Object 6"/>
+          <p:cNvPr id="6" name="Object 5"/>
           <p:cNvPicPr>
             <a:picLocks noChangeAspect="1"/>
           </p:cNvPicPr>
           <p:nvPr/>
         </p:nvPicPr>
         <p:blipFill>
-          <a:blip r:embed="rId5" cstate="print"/>
+          <a:blip r:embed="rId4" cstate="print"/>
           <a:stretch>
             <a:fillRect/>
           </a:stretch>
         </p:blipFill>
         <p:spPr>
           <a:xfrm>
-            <a:off x="1429249" y="6833011"/>
-            <a:ext cx="914263" cy="1913222"/>
+            <a:off x="1433058" y="6836820"/>
+            <a:ext cx="3894188" cy="1721900"/>
           </a:xfrm>
           <a:prstGeom prst="rect">
             <a:avLst/>
@@ -3188,14 +3164,14 @@
         </p:grpSpPr>
         <p:pic>
           <p:nvPicPr>
-            <p:cNvPr id="9" name="Object 8"/>
+            <p:cNvPr id="8" name="Object 7"/>
             <p:cNvPicPr>
               <a:picLocks noChangeAspect="1"/>
             </p:cNvPicPr>
             <p:nvPr/>
           </p:nvPicPr>
           <p:blipFill>
-            <a:blip r:embed="rId6" cstate="print"/>
+            <a:blip r:embed="rId5" cstate="print"/>
             <a:stretch>
               <a:fillRect/>
             </a:stretch>
@@ -3213,6 +3189,30 @@
       </p:grpSp>
       <p:pic>
         <p:nvPicPr>
+          <p:cNvPr id="10" name="Object 9"/>
+          <p:cNvPicPr>
+            <a:picLocks noChangeAspect="1"/>
+          </p:cNvPicPr>
+          <p:nvPr/>
+        </p:nvPicPr>
+        <p:blipFill>
+          <a:blip r:embed="rId6" cstate="print"/>
+          <a:stretch>
+            <a:fillRect/>
+          </a:stretch>
+        </p:blipFill>
+        <p:spPr>
+          <a:xfrm>
+            <a:off x="16903240" y="8311720"/>
+            <a:ext cx="805282" cy="614270"/>
+          </a:xfrm>
+          <a:prstGeom prst="rect">
+            <a:avLst/>
+          </a:prstGeom>
+        </p:spPr>
+      </p:pic>
+      <p:pic>
+        <p:nvPicPr>
           <p:cNvPr id="11" name="Object 10"/>
           <p:cNvPicPr>
             <a:picLocks noChangeAspect="1"/>
@@ -3227,30 +3227,6 @@
         </p:blipFill>
         <p:spPr>
           <a:xfrm>
-            <a:off x="16903240" y="8311720"/>
-            <a:ext cx="805282" cy="614270"/>
-          </a:xfrm>
-          <a:prstGeom prst="rect">
-            <a:avLst/>
-          </a:prstGeom>
-        </p:spPr>
-      </p:pic>
-      <p:pic>
-        <p:nvPicPr>
-          <p:cNvPr id="12" name="Object 11"/>
-          <p:cNvPicPr>
-            <a:picLocks noChangeAspect="1"/>
-          </p:cNvPicPr>
-          <p:nvPr/>
-        </p:nvPicPr>
-        <p:blipFill>
-          <a:blip r:embed="rId8" cstate="print"/>
-          <a:stretch>
-            <a:fillRect/>
-          </a:stretch>
-        </p:blipFill>
-        <p:spPr>
-          <a:xfrm>
             <a:off x="17015050" y="445594"/>
             <a:ext cx="916958" cy="1010483"/>
           </a:xfrm>
@@ -3259,45 +3235,6 @@
           </a:prstGeom>
         </p:spPr>
       </p:pic>
-      <p:grpSp>
-        <p:nvGrpSpPr>
-          <p:cNvPr id="1003" name="그룹 1003"/>
-          <p:cNvGrpSpPr/>
-          <p:nvPr/>
-        </p:nvGrpSpPr>
-        <p:grpSpPr>
-          <a:xfrm>
-            <a:off x="11490641" y="4152164"/>
-            <a:ext cx="1080787" cy="1443136"/>
-            <a:chOff x="11490641" y="4152164"/>
-            <a:chExt cx="1080787" cy="1443136"/>
-          </a:xfrm>
-        </p:grpSpPr>
-        <p:pic>
-          <p:nvPicPr>
-            <p:cNvPr id="14" name="Object 13"/>
-            <p:cNvPicPr>
-              <a:picLocks noChangeAspect="1"/>
-            </p:cNvPicPr>
-            <p:nvPr/>
-          </p:nvPicPr>
-          <p:blipFill>
-            <a:blip r:embed="rId9" cstate="print"/>
-            <a:stretch>
-              <a:fillRect/>
-            </a:stretch>
-          </p:blipFill>
-          <p:spPr>
-            <a:xfrm>
-              <a:off x="11490641" y="4152164"/>
-              <a:ext cx="1080787" cy="1443136"/>
-            </a:xfrm>
-            <a:prstGeom prst="rect">
-              <a:avLst/>
-            </a:prstGeom>
-          </p:spPr>
-        </p:pic>
-      </p:grpSp>
     </p:spTree>
   </p:cSld>
   <p:clrMapOvr>

--- a/발표자료.pptx
+++ b/발표자료.pptx
@@ -3235,6 +3235,108 @@
           </a:prstGeom>
         </p:spPr>
       </p:pic>
+      <p:pic>
+        <p:nvPicPr>
+          <p:cNvPr id="12" name="Object 11"/>
+          <p:cNvPicPr>
+            <a:picLocks noChangeAspect="1"/>
+          </p:cNvPicPr>
+          <p:nvPr/>
+        </p:nvPicPr>
+        <p:blipFill>
+          <a:blip r:embed="rId8" cstate="print"/>
+          <a:stretch>
+            <a:fillRect/>
+          </a:stretch>
+        </p:blipFill>
+        <p:spPr>
+          <a:xfrm>
+            <a:off x="1433058" y="6402684"/>
+            <a:ext cx="1022832" cy="397133"/>
+          </a:xfrm>
+          <a:prstGeom prst="rect">
+            <a:avLst/>
+          </a:prstGeom>
+        </p:spPr>
+      </p:pic>
+      <p:grpSp>
+        <p:nvGrpSpPr>
+          <p:cNvPr id="1003" name="그룹 1003"/>
+          <p:cNvGrpSpPr/>
+          <p:nvPr/>
+        </p:nvGrpSpPr>
+        <p:grpSpPr>
+          <a:xfrm>
+            <a:off x="14260870" y="216442"/>
+            <a:ext cx="1938773" cy="806570"/>
+            <a:chOff x="14260870" y="216442"/>
+            <a:chExt cx="1938773" cy="806570"/>
+          </a:xfrm>
+        </p:grpSpPr>
+        <p:pic>
+          <p:nvPicPr>
+            <p:cNvPr id="14" name="Object 13"/>
+            <p:cNvPicPr>
+              <a:picLocks noChangeAspect="1"/>
+            </p:cNvPicPr>
+            <p:nvPr/>
+          </p:nvPicPr>
+          <p:blipFill>
+            <a:blip r:embed="rId9" cstate="print"/>
+            <a:stretch>
+              <a:fillRect/>
+            </a:stretch>
+          </p:blipFill>
+          <p:spPr>
+            <a:xfrm>
+              <a:off x="14260870" y="216442"/>
+              <a:ext cx="1938773" cy="806570"/>
+            </a:xfrm>
+            <a:prstGeom prst="rect">
+              <a:avLst/>
+            </a:prstGeom>
+          </p:spPr>
+        </p:pic>
+      </p:grpSp>
+      <p:grpSp>
+        <p:nvGrpSpPr>
+          <p:cNvPr id="1004" name="그룹 1004"/>
+          <p:cNvGrpSpPr/>
+          <p:nvPr/>
+        </p:nvGrpSpPr>
+        <p:grpSpPr>
+          <a:xfrm>
+            <a:off x="5568117" y="3031149"/>
+            <a:ext cx="1104449" cy="1600401"/>
+            <a:chOff x="5568117" y="3031149"/>
+            <a:chExt cx="1104449" cy="1600401"/>
+          </a:xfrm>
+        </p:grpSpPr>
+        <p:pic>
+          <p:nvPicPr>
+            <p:cNvPr id="17" name="Object 16"/>
+            <p:cNvPicPr>
+              <a:picLocks noChangeAspect="1"/>
+            </p:cNvPicPr>
+            <p:nvPr/>
+          </p:nvPicPr>
+          <p:blipFill>
+            <a:blip r:embed="rId10" cstate="print"/>
+            <a:stretch>
+              <a:fillRect/>
+            </a:stretch>
+          </p:blipFill>
+          <p:spPr>
+            <a:xfrm>
+              <a:off x="5568117" y="3031149"/>
+              <a:ext cx="1104449" cy="1600401"/>
+            </a:xfrm>
+            <a:prstGeom prst="rect">
+              <a:avLst/>
+            </a:prstGeom>
+          </p:spPr>
+        </p:pic>
+      </p:grpSp>
     </p:spTree>
   </p:cSld>
   <p:clrMapOvr>
